--- a/Jessica's Slides.pptx
+++ b/Jessica's Slides.pptx
@@ -4971,7 +4971,7 @@
         </p:blipFill>
         <p:spPr bwMode="auto">
           <a:xfrm>
-            <a:off x="8323606" y="2520622"/>
+            <a:off x="8006221" y="2386529"/>
             <a:ext cx="2675697" cy="3014619"/>
           </a:xfrm>
           <a:prstGeom prst="rect">
@@ -5018,7 +5018,7 @@
         </p:blipFill>
         <p:spPr bwMode="auto">
           <a:xfrm>
-            <a:off x="1328672" y="2476580"/>
+            <a:off x="1861373" y="2476579"/>
             <a:ext cx="2539723" cy="3263814"/>
           </a:xfrm>
           <a:prstGeom prst="rect">
@@ -5050,8 +5050,8 @@
         </p:nvSpPr>
         <p:spPr>
           <a:xfrm>
-            <a:off x="4018327" y="3429000"/>
-            <a:ext cx="3095537" cy="1200329"/>
+            <a:off x="4933797" y="2815825"/>
+            <a:ext cx="2539723" cy="2585323"/>
           </a:xfrm>
           <a:prstGeom prst="rect">
             <a:avLst/>
@@ -5074,7 +5074,7 @@
             </a:r>
             <a:r>
               <a:rPr lang="en-GB" dirty="0"/>
-              <a:t>, is the man responsible for developing C++ </a:t>
+              <a:t>, is the man responsible for developing C++. Initially as an extension to C, later became it’s own language</a:t>
             </a:r>
           </a:p>
         </p:txBody>
@@ -5323,8 +5323,8 @@
         </p:blipFill>
         <p:spPr bwMode="auto">
           <a:xfrm>
-            <a:off x="8414401" y="943140"/>
-            <a:ext cx="2555450" cy="2555450"/>
+            <a:off x="8359335" y="873754"/>
+            <a:ext cx="1816838" cy="1816838"/>
           </a:xfrm>
           <a:prstGeom prst="rect">
             <a:avLst/>
@@ -5362,8 +5362,8 @@
         </p:blipFill>
         <p:spPr>
           <a:xfrm>
-            <a:off x="5257678" y="1050273"/>
-            <a:ext cx="3098140" cy="2812365"/>
+            <a:off x="7452073" y="2690592"/>
+            <a:ext cx="2235459" cy="2029258"/>
           </a:xfrm>
           <a:prstGeom prst="rect">
             <a:avLst/>
@@ -5392,8 +5392,8 @@
         </p:blipFill>
         <p:spPr>
           <a:xfrm>
-            <a:off x="2864499" y="1605002"/>
-            <a:ext cx="2686844" cy="2686844"/>
+            <a:off x="6624886" y="1389974"/>
+            <a:ext cx="1549259" cy="1549259"/>
           </a:xfrm>
           <a:prstGeom prst="rect">
             <a:avLst/>
@@ -5422,8 +5422,8 @@
         </p:blipFill>
         <p:spPr>
           <a:xfrm>
-            <a:off x="471320" y="2139715"/>
-            <a:ext cx="2393179" cy="2393179"/>
+            <a:off x="6132123" y="2759978"/>
+            <a:ext cx="1537405" cy="1537405"/>
           </a:xfrm>
           <a:prstGeom prst="rect">
             <a:avLst/>
@@ -5452,8 +5452,8 @@
         </p:blipFill>
         <p:spPr>
           <a:xfrm>
-            <a:off x="8606300" y="3591538"/>
-            <a:ext cx="2323322" cy="2323322"/>
+            <a:off x="10231239" y="2164604"/>
+            <a:ext cx="1498875" cy="1498875"/>
           </a:xfrm>
           <a:prstGeom prst="rect">
             <a:avLst/>
@@ -5489,8 +5489,8 @@
         </p:blipFill>
         <p:spPr bwMode="auto">
           <a:xfrm>
-            <a:off x="5257678" y="4057656"/>
-            <a:ext cx="2235459" cy="2235459"/>
+            <a:off x="9892595" y="3863741"/>
+            <a:ext cx="1537405" cy="1537405"/>
           </a:xfrm>
           <a:prstGeom prst="rect">
             <a:avLst/>
@@ -5529,8 +5529,8 @@
         </p:blipFill>
         <p:spPr>
           <a:xfrm>
-            <a:off x="569168" y="4176310"/>
-            <a:ext cx="4590662" cy="2441031"/>
+            <a:off x="7270768" y="4197702"/>
+            <a:ext cx="2787632" cy="1482291"/>
           </a:xfrm>
           <a:prstGeom prst="rect">
             <a:avLst/>
@@ -5606,6 +5606,296 @@
             <a:r>
               <a:rPr lang="en-GB" sz="1100" dirty="0"/>
               <a:t>Jessica Fealy - 18024092</a:t>
+            </a:r>
+          </a:p>
+        </p:txBody>
+      </p:sp>
+      <p:pic>
+        <p:nvPicPr>
+          <p:cNvPr id="1026" name="Picture 2">
+            <a:extLst>
+              <a:ext uri="{FF2B5EF4-FFF2-40B4-BE49-F238E27FC236}">
+                <a16:creationId xmlns:a16="http://schemas.microsoft.com/office/drawing/2014/main" id="{5A408F14-43A1-484B-A34F-C332D5D0386F}"/>
+              </a:ext>
+            </a:extLst>
+          </p:cNvPr>
+          <p:cNvPicPr>
+            <a:picLocks noChangeAspect="1" noChangeArrowheads="1"/>
+          </p:cNvPicPr>
+          <p:nvPr/>
+        </p:nvPicPr>
+        <p:blipFill>
+          <a:blip r:embed="rId12">
+            <a:extLst>
+              <a:ext uri="{28A0092B-C50C-407E-A947-70E740481C1C}">
+                <a14:useLocalDpi xmlns:a14="http://schemas.microsoft.com/office/drawing/2010/main" val="0"/>
+              </a:ext>
+            </a:extLst>
+          </a:blip>
+          <a:srcRect/>
+          <a:stretch>
+            <a:fillRect/>
+          </a:stretch>
+        </p:blipFill>
+        <p:spPr bwMode="auto">
+          <a:xfrm>
+            <a:off x="5994157" y="679785"/>
+            <a:ext cx="1315509" cy="1366106"/>
+          </a:xfrm>
+          <a:prstGeom prst="rect">
+            <a:avLst/>
+          </a:prstGeom>
+          <a:noFill/>
+          <a:extLst>
+            <a:ext uri="{909E8E84-426E-40DD-AFC4-6F175D3DCCD1}">
+              <a14:hiddenFill xmlns:a14="http://schemas.microsoft.com/office/drawing/2010/main">
+                <a:solidFill>
+                  <a:srgbClr val="FFFFFF"/>
+                </a:solidFill>
+              </a14:hiddenFill>
+            </a:ext>
+          </a:extLst>
+        </p:spPr>
+      </p:pic>
+      <p:pic>
+        <p:nvPicPr>
+          <p:cNvPr id="6" name="Picture 5" descr="Logo&#10;&#10;Description automatically generated">
+            <a:extLst>
+              <a:ext uri="{FF2B5EF4-FFF2-40B4-BE49-F238E27FC236}">
+                <a16:creationId xmlns:a16="http://schemas.microsoft.com/office/drawing/2014/main" id="{B1D1713F-5A6B-468D-85CE-E57C5862CF17}"/>
+              </a:ext>
+            </a:extLst>
+          </p:cNvPr>
+          <p:cNvPicPr>
+            <a:picLocks noChangeAspect="1"/>
+          </p:cNvPicPr>
+          <p:nvPr/>
+        </p:nvPicPr>
+        <p:blipFill>
+          <a:blip r:embed="rId13"/>
+          <a:stretch>
+            <a:fillRect/>
+          </a:stretch>
+        </p:blipFill>
+        <p:spPr>
+          <a:xfrm>
+            <a:off x="5257659" y="3997440"/>
+            <a:ext cx="3020347" cy="2014194"/>
+          </a:xfrm>
+          <a:prstGeom prst="rect">
+            <a:avLst/>
+          </a:prstGeom>
+        </p:spPr>
+      </p:pic>
+      <p:pic>
+        <p:nvPicPr>
+          <p:cNvPr id="1030" name="Picture 6" descr="Fortnite logo PNG">
+            <a:extLst>
+              <a:ext uri="{FF2B5EF4-FFF2-40B4-BE49-F238E27FC236}">
+                <a16:creationId xmlns:a16="http://schemas.microsoft.com/office/drawing/2014/main" id="{97114651-13AA-4490-90CC-6EDE9DAC6C76}"/>
+              </a:ext>
+            </a:extLst>
+          </p:cNvPr>
+          <p:cNvPicPr>
+            <a:picLocks noChangeAspect="1" noChangeArrowheads="1"/>
+          </p:cNvPicPr>
+          <p:nvPr/>
+        </p:nvPicPr>
+        <p:blipFill>
+          <a:blip r:embed="rId14">
+            <a:extLst>
+              <a:ext uri="{28A0092B-C50C-407E-A947-70E740481C1C}">
+                <a14:useLocalDpi xmlns:a14="http://schemas.microsoft.com/office/drawing/2010/main" val="0"/>
+              </a:ext>
+            </a:extLst>
+          </a:blip>
+          <a:srcRect/>
+          <a:stretch>
+            <a:fillRect/>
+          </a:stretch>
+        </p:blipFill>
+        <p:spPr bwMode="auto">
+          <a:xfrm>
+            <a:off x="7368428" y="5240855"/>
+            <a:ext cx="2751589" cy="1255054"/>
+          </a:xfrm>
+          <a:prstGeom prst="rect">
+            <a:avLst/>
+          </a:prstGeom>
+          <a:noFill/>
+          <a:extLst>
+            <a:ext uri="{909E8E84-426E-40DD-AFC4-6F175D3DCCD1}">
+              <a14:hiddenFill xmlns:a14="http://schemas.microsoft.com/office/drawing/2010/main">
+                <a:solidFill>
+                  <a:srgbClr val="FFFFFF"/>
+                </a:solidFill>
+              </a14:hiddenFill>
+            </a:ext>
+          </a:extLst>
+        </p:spPr>
+      </p:pic>
+      <p:pic>
+        <p:nvPicPr>
+          <p:cNvPr id="10" name="Picture 9" descr="A picture containing text, sign, aircraft, airplane&#10;&#10;Description automatically generated">
+            <a:extLst>
+              <a:ext uri="{FF2B5EF4-FFF2-40B4-BE49-F238E27FC236}">
+                <a16:creationId xmlns:a16="http://schemas.microsoft.com/office/drawing/2014/main" id="{0D89B9EA-95E0-490C-9EB1-3850B427D9C4}"/>
+              </a:ext>
+            </a:extLst>
+          </p:cNvPr>
+          <p:cNvPicPr>
+            <a:picLocks noChangeAspect="1"/>
+          </p:cNvPicPr>
+          <p:nvPr/>
+        </p:nvPicPr>
+        <p:blipFill>
+          <a:blip r:embed="rId15"/>
+          <a:stretch>
+            <a:fillRect/>
+          </a:stretch>
+        </p:blipFill>
+        <p:spPr>
+          <a:xfrm>
+            <a:off x="5020755" y="1959026"/>
+            <a:ext cx="1482291" cy="1482291"/>
+          </a:xfrm>
+          <a:prstGeom prst="rect">
+            <a:avLst/>
+          </a:prstGeom>
+        </p:spPr>
+      </p:pic>
+      <p:pic>
+        <p:nvPicPr>
+          <p:cNvPr id="15" name="Picture 14" descr="A picture containing icon&#10;&#10;Description automatically generated">
+            <a:extLst>
+              <a:ext uri="{FF2B5EF4-FFF2-40B4-BE49-F238E27FC236}">
+                <a16:creationId xmlns:a16="http://schemas.microsoft.com/office/drawing/2014/main" id="{914B2A35-0D6B-452A-AEF5-3B7A1C7AE235}"/>
+              </a:ext>
+            </a:extLst>
+          </p:cNvPr>
+          <p:cNvPicPr>
+            <a:picLocks noChangeAspect="1"/>
+          </p:cNvPicPr>
+          <p:nvPr/>
+        </p:nvPicPr>
+        <p:blipFill>
+          <a:blip r:embed="rId16"/>
+          <a:stretch>
+            <a:fillRect/>
+          </a:stretch>
+        </p:blipFill>
+        <p:spPr>
+          <a:xfrm>
+            <a:off x="4789108" y="3685473"/>
+            <a:ext cx="1469074" cy="1034377"/>
+          </a:xfrm>
+          <a:prstGeom prst="rect">
+            <a:avLst/>
+          </a:prstGeom>
+        </p:spPr>
+      </p:pic>
+      <p:pic>
+        <p:nvPicPr>
+          <p:cNvPr id="1032" name="Picture 8" descr="spotify icon marilyn scott 7053">
+            <a:extLst>
+              <a:ext uri="{FF2B5EF4-FFF2-40B4-BE49-F238E27FC236}">
+                <a16:creationId xmlns:a16="http://schemas.microsoft.com/office/drawing/2014/main" id="{81D7C4F6-8D37-4664-A2B4-83F7E9ECCC7F}"/>
+              </a:ext>
+            </a:extLst>
+          </p:cNvPr>
+          <p:cNvPicPr>
+            <a:picLocks noChangeAspect="1" noChangeArrowheads="1"/>
+          </p:cNvPicPr>
+          <p:nvPr/>
+        </p:nvPicPr>
+        <p:blipFill>
+          <a:blip r:embed="rId17">
+            <a:extLst>
+              <a:ext uri="{28A0092B-C50C-407E-A947-70E740481C1C}">
+                <a14:useLocalDpi xmlns:a14="http://schemas.microsoft.com/office/drawing/2010/main" val="0"/>
+              </a:ext>
+            </a:extLst>
+          </a:blip>
+          <a:srcRect/>
+          <a:stretch>
+            <a:fillRect/>
+          </a:stretch>
+        </p:blipFill>
+        <p:spPr bwMode="auto">
+          <a:xfrm>
+            <a:off x="4454798" y="4783562"/>
+            <a:ext cx="1299041" cy="1299041"/>
+          </a:xfrm>
+          <a:prstGeom prst="rect">
+            <a:avLst/>
+          </a:prstGeom>
+          <a:noFill/>
+          <a:extLst>
+            <a:ext uri="{909E8E84-426E-40DD-AFC4-6F175D3DCCD1}">
+              <a14:hiddenFill xmlns:a14="http://schemas.microsoft.com/office/drawing/2010/main">
+                <a:solidFill>
+                  <a:srgbClr val="FFFFFF"/>
+                </a:solidFill>
+              </a14:hiddenFill>
+            </a:ext>
+          </a:extLst>
+        </p:spPr>
+      </p:pic>
+      <p:sp>
+        <p:nvSpPr>
+          <p:cNvPr id="16" name="TextBox 15">
+            <a:extLst>
+              <a:ext uri="{FF2B5EF4-FFF2-40B4-BE49-F238E27FC236}">
+                <a16:creationId xmlns:a16="http://schemas.microsoft.com/office/drawing/2014/main" id="{618C03AB-BEC8-4B4A-BE45-2EA4802CE51D}"/>
+              </a:ext>
+            </a:extLst>
+          </p:cNvPr>
+          <p:cNvSpPr txBox="1"/>
+          <p:nvPr/>
+        </p:nvSpPr>
+        <p:spPr>
+          <a:xfrm>
+            <a:off x="1202681" y="1739343"/>
+            <a:ext cx="3097786" cy="3970318"/>
+          </a:xfrm>
+          <a:prstGeom prst="rect">
+            <a:avLst/>
+          </a:prstGeom>
+          <a:noFill/>
+        </p:spPr>
+        <p:txBody>
+          <a:bodyPr wrap="square" rtlCol="0">
+            <a:spAutoFit/>
+          </a:bodyPr>
+          <a:lstStyle/>
+          <a:p>
+            <a:r>
+              <a:rPr lang="en-GB" sz="1400" dirty="0"/>
+              <a:t>Many modern day applications will have a part of their development done in C++. </a:t>
+            </a:r>
+          </a:p>
+          <a:p>
+            <a:r>
+              <a:rPr lang="en-GB" sz="1400" dirty="0"/>
+              <a:t>While most applications will have their consumer front face being operated by JavaScript or Python, their back ends will usually be written C++. This is the case for Spotify.</a:t>
+            </a:r>
+          </a:p>
+          <a:p>
+            <a:br>
+              <a:rPr lang="en-GB" sz="1400" dirty="0"/>
+            </a:br>
+            <a:r>
+              <a:rPr lang="en-GB" sz="1400" dirty="0"/>
+              <a:t>Some applications will exclusively use C++, such as Unity and Unreal Engines.</a:t>
+            </a:r>
+          </a:p>
+          <a:p>
+            <a:endParaRPr lang="en-GB" sz="1400" dirty="0"/>
+          </a:p>
+          <a:p>
+            <a:r>
+              <a:rPr lang="en-GB" sz="1400" dirty="0"/>
+              <a:t>But every applications logo seen here use C++ in their development in one way, or another</a:t>
             </a:r>
           </a:p>
         </p:txBody>
@@ -6233,24 +6523,6 @@
 </file>
 
 <file path=customXml/item1.xml><?xml version="1.0" encoding="utf-8"?>
-<p:properties xmlns:p="http://schemas.microsoft.com/office/2006/metadata/properties" xmlns:xsi="http://www.w3.org/2001/XMLSchema-instance" xmlns:pc="http://schemas.microsoft.com/office/infopath/2007/PartnerControls">
-  <documentManagement>
-    <Status xmlns="71af3243-3dd4-4a8d-8c0d-dd76da1f02a5">Not started</Status>
-    <MediaServiceKeyPoints xmlns="71af3243-3dd4-4a8d-8c0d-dd76da1f02a5" xsi:nil="true"/>
-  </documentManagement>
-</p:properties>
-</file>
-
-<file path=customXml/item2.xml><?xml version="1.0" encoding="utf-8"?>
-<?mso-contentType ?>
-<FormTemplates xmlns="http://schemas.microsoft.com/sharepoint/v3/contenttype/forms">
-  <Display>DocumentLibraryForm</Display>
-  <Edit>DocumentLibraryForm</Edit>
-  <New>DocumentLibraryForm</New>
-</FormTemplates>
-</file>
-
-<file path=customXml/item3.xml><?xml version="1.0" encoding="utf-8"?>
 <ct:contentTypeSchema xmlns:ct="http://schemas.microsoft.com/office/2006/metadata/contentType" xmlns:ma="http://schemas.microsoft.com/office/2006/metadata/properties/metaAttributes" ct:_="" ma:_="" ma:contentTypeName="Document" ma:contentTypeID="0x01010079F111ED35F8CC479449609E8A0923A6" ma:contentTypeVersion="12" ma:contentTypeDescription="Create a new document." ma:contentTypeScope="" ma:versionID="a410dd7f93c95333ffa1b60ed6adedd1">
   <xsd:schema xmlns:xsd="http://www.w3.org/2001/XMLSchema" xmlns:xs="http://www.w3.org/2001/XMLSchema" xmlns:p="http://schemas.microsoft.com/office/2006/metadata/properties" xmlns:ns2="71af3243-3dd4-4a8d-8c0d-dd76da1f02a5" xmlns:ns3="16c05727-aa75-4e4a-9b5f-8a80a1165891" targetNamespace="http://schemas.microsoft.com/office/2006/metadata/properties" ma:root="true" ma:fieldsID="a936d9baba76aa3866493feff160faab" ns2:_="" ns3:_="">
     <xsd:import namespace="71af3243-3dd4-4a8d-8c0d-dd76da1f02a5"/>
@@ -6471,25 +6743,25 @@
 </ct:contentTypeSchema>
 </file>
 
-<file path=customXml/itemProps1.xml><?xml version="1.0" encoding="utf-8"?>
-<ds:datastoreItem xmlns:ds="http://schemas.openxmlformats.org/officeDocument/2006/customXml" ds:itemID="{137651BA-F45C-4845-9AB3-E0A65B39F5E1}">
-  <ds:schemaRefs>
-    <ds:schemaRef ds:uri="http://schemas.microsoft.com/office/2006/metadata/properties"/>
-    <ds:schemaRef ds:uri="http://schemas.microsoft.com/office/infopath/2007/PartnerControls"/>
-    <ds:schemaRef ds:uri="71af3243-3dd4-4a8d-8c0d-dd76da1f02a5"/>
-  </ds:schemaRefs>
-</ds:datastoreItem>
+<file path=customXml/item2.xml><?xml version="1.0" encoding="utf-8"?>
+<?mso-contentType ?>
+<FormTemplates xmlns="http://schemas.microsoft.com/sharepoint/v3/contenttype/forms">
+  <Display>DocumentLibraryForm</Display>
+  <Edit>DocumentLibraryForm</Edit>
+  <New>DocumentLibraryForm</New>
+</FormTemplates>
 </file>
 
-<file path=customXml/itemProps2.xml><?xml version="1.0" encoding="utf-8"?>
-<ds:datastoreItem xmlns:ds="http://schemas.openxmlformats.org/officeDocument/2006/customXml" ds:itemID="{CDB58277-F8DF-46FF-84EC-EF41B835E69F}">
-  <ds:schemaRefs>
-    <ds:schemaRef ds:uri="http://schemas.microsoft.com/sharepoint/v3/contenttype/forms"/>
-  </ds:schemaRefs>
-</ds:datastoreItem>
+<file path=customXml/item3.xml><?xml version="1.0" encoding="utf-8"?>
+<p:properties xmlns:p="http://schemas.microsoft.com/office/2006/metadata/properties" xmlns:xsi="http://www.w3.org/2001/XMLSchema-instance" xmlns:pc="http://schemas.microsoft.com/office/infopath/2007/PartnerControls">
+  <documentManagement>
+    <Status xmlns="71af3243-3dd4-4a8d-8c0d-dd76da1f02a5">Not started</Status>
+    <MediaServiceKeyPoints xmlns="71af3243-3dd4-4a8d-8c0d-dd76da1f02a5" xsi:nil="true"/>
+  </documentManagement>
+</p:properties>
 </file>
 
-<file path=customXml/itemProps3.xml><?xml version="1.0" encoding="utf-8"?>
+<file path=customXml/itemProps1.xml><?xml version="1.0" encoding="utf-8"?>
 <ds:datastoreItem xmlns:ds="http://schemas.openxmlformats.org/officeDocument/2006/customXml" ds:itemID="{2D276E62-80A3-44DD-9BCC-97ED2B99B57F}">
   <ds:schemaRefs>
     <ds:schemaRef ds:uri="http://schemas.microsoft.com/office/2006/metadata/contentType"/>
@@ -6506,4 +6778,22 @@
     <ds:schemaRef ds:uri="http://schemas.microsoft.com/internal/obd"/>
   </ds:schemaRefs>
 </ds:datastoreItem>
+</file>
+
+<file path=customXml/itemProps2.xml><?xml version="1.0" encoding="utf-8"?>
+<ds:datastoreItem xmlns:ds="http://schemas.openxmlformats.org/officeDocument/2006/customXml" ds:itemID="{CDB58277-F8DF-46FF-84EC-EF41B835E69F}">
+  <ds:schemaRefs>
+    <ds:schemaRef ds:uri="http://schemas.microsoft.com/sharepoint/v3/contenttype/forms"/>
+  </ds:schemaRefs>
+</ds:datastoreItem>
+</file>
+
+<file path=customXml/itemProps3.xml><?xml version="1.0" encoding="utf-8"?>
+<ds:datastoreItem xmlns:ds="http://schemas.openxmlformats.org/officeDocument/2006/customXml" ds:itemID="{137651BA-F45C-4845-9AB3-E0A65B39F5E1}">
+  <ds:schemaRefs>
+    <ds:schemaRef ds:uri="http://schemas.microsoft.com/office/2006/metadata/properties"/>
+    <ds:schemaRef ds:uri="http://schemas.microsoft.com/office/infopath/2007/PartnerControls"/>
+    <ds:schemaRef ds:uri="71af3243-3dd4-4a8d-8c0d-dd76da1f02a5"/>
+  </ds:schemaRefs>
+</ds:datastoreItem>
 </file>